--- a/ML/Complex task/Комплексная задача.pptx
+++ b/ML/Complex task/Комплексная задача.pptx
@@ -9,6 +9,9 @@
     <p:sldId id="257" r:id="rId3"/>
     <p:sldId id="258" r:id="rId4"/>
     <p:sldId id="259" r:id="rId5"/>
+    <p:sldId id="260" r:id="rId6"/>
+    <p:sldId id="261" r:id="rId7"/>
+    <p:sldId id="262" r:id="rId8"/>
   </p:sldIdLst>
   <p:sldSz cx="12192000" cy="6858000"/>
   <p:notesSz cx="6858000" cy="9144000"/>
@@ -262,7 +265,7 @@
           <a:p>
             <a:fld id="{A9DD6076-1263-436A-9AED-1D0B43D4D05B}" type="datetimeFigureOut">
               <a:rPr lang="ru-RU" smtClean="0"/>
-              <a:t>14.11.2024</a:t>
+              <a:t>17.11.2024</a:t>
             </a:fld>
             <a:endParaRPr lang="ru-RU"/>
           </a:p>
@@ -460,7 +463,7 @@
           <a:p>
             <a:fld id="{A9DD6076-1263-436A-9AED-1D0B43D4D05B}" type="datetimeFigureOut">
               <a:rPr lang="ru-RU" smtClean="0"/>
-              <a:t>14.11.2024</a:t>
+              <a:t>17.11.2024</a:t>
             </a:fld>
             <a:endParaRPr lang="ru-RU"/>
           </a:p>
@@ -668,7 +671,7 @@
           <a:p>
             <a:fld id="{A9DD6076-1263-436A-9AED-1D0B43D4D05B}" type="datetimeFigureOut">
               <a:rPr lang="ru-RU" smtClean="0"/>
-              <a:t>14.11.2024</a:t>
+              <a:t>17.11.2024</a:t>
             </a:fld>
             <a:endParaRPr lang="ru-RU"/>
           </a:p>
@@ -866,7 +869,7 @@
           <a:p>
             <a:fld id="{A9DD6076-1263-436A-9AED-1D0B43D4D05B}" type="datetimeFigureOut">
               <a:rPr lang="ru-RU" smtClean="0"/>
-              <a:t>14.11.2024</a:t>
+              <a:t>17.11.2024</a:t>
             </a:fld>
             <a:endParaRPr lang="ru-RU"/>
           </a:p>
@@ -1141,7 +1144,7 @@
           <a:p>
             <a:fld id="{A9DD6076-1263-436A-9AED-1D0B43D4D05B}" type="datetimeFigureOut">
               <a:rPr lang="ru-RU" smtClean="0"/>
-              <a:t>14.11.2024</a:t>
+              <a:t>17.11.2024</a:t>
             </a:fld>
             <a:endParaRPr lang="ru-RU"/>
           </a:p>
@@ -1406,7 +1409,7 @@
           <a:p>
             <a:fld id="{A9DD6076-1263-436A-9AED-1D0B43D4D05B}" type="datetimeFigureOut">
               <a:rPr lang="ru-RU" smtClean="0"/>
-              <a:t>14.11.2024</a:t>
+              <a:t>17.11.2024</a:t>
             </a:fld>
             <a:endParaRPr lang="ru-RU"/>
           </a:p>
@@ -1818,7 +1821,7 @@
           <a:p>
             <a:fld id="{A9DD6076-1263-436A-9AED-1D0B43D4D05B}" type="datetimeFigureOut">
               <a:rPr lang="ru-RU" smtClean="0"/>
-              <a:t>14.11.2024</a:t>
+              <a:t>17.11.2024</a:t>
             </a:fld>
             <a:endParaRPr lang="ru-RU"/>
           </a:p>
@@ -1959,7 +1962,7 @@
           <a:p>
             <a:fld id="{A9DD6076-1263-436A-9AED-1D0B43D4D05B}" type="datetimeFigureOut">
               <a:rPr lang="ru-RU" smtClean="0"/>
-              <a:t>14.11.2024</a:t>
+              <a:t>17.11.2024</a:t>
             </a:fld>
             <a:endParaRPr lang="ru-RU"/>
           </a:p>
@@ -2072,7 +2075,7 @@
           <a:p>
             <a:fld id="{A9DD6076-1263-436A-9AED-1D0B43D4D05B}" type="datetimeFigureOut">
               <a:rPr lang="ru-RU" smtClean="0"/>
-              <a:t>14.11.2024</a:t>
+              <a:t>17.11.2024</a:t>
             </a:fld>
             <a:endParaRPr lang="ru-RU"/>
           </a:p>
@@ -2383,7 +2386,7 @@
           <a:p>
             <a:fld id="{A9DD6076-1263-436A-9AED-1D0B43D4D05B}" type="datetimeFigureOut">
               <a:rPr lang="ru-RU" smtClean="0"/>
-              <a:t>14.11.2024</a:t>
+              <a:t>17.11.2024</a:t>
             </a:fld>
             <a:endParaRPr lang="ru-RU"/>
           </a:p>
@@ -2671,7 +2674,7 @@
           <a:p>
             <a:fld id="{A9DD6076-1263-436A-9AED-1D0B43D4D05B}" type="datetimeFigureOut">
               <a:rPr lang="ru-RU" smtClean="0"/>
-              <a:t>14.11.2024</a:t>
+              <a:t>17.11.2024</a:t>
             </a:fld>
             <a:endParaRPr lang="ru-RU"/>
           </a:p>
@@ -2912,7 +2915,7 @@
           <a:p>
             <a:fld id="{A9DD6076-1263-436A-9AED-1D0B43D4D05B}" type="datetimeFigureOut">
               <a:rPr lang="ru-RU" smtClean="0"/>
-              <a:t>14.11.2024</a:t>
+              <a:t>17.11.2024</a:t>
             </a:fld>
             <a:endParaRPr lang="ru-RU"/>
           </a:p>
@@ -3904,6 +3907,401 @@
 </p:sld>
 </file>
 
+<file path=ppt/slides/slide5.xml><?xml version="1.0" encoding="utf-8"?>
+<p:sld xmlns:a="http://schemas.openxmlformats.org/drawingml/2006/main" xmlns:r="http://schemas.openxmlformats.org/officeDocument/2006/relationships" xmlns:p="http://schemas.openxmlformats.org/presentationml/2006/main">
+  <p:cSld>
+    <p:spTree>
+      <p:nvGrpSpPr>
+        <p:cNvPr id="1" name=""/>
+        <p:cNvGrpSpPr/>
+        <p:nvPr/>
+      </p:nvGrpSpPr>
+      <p:grpSpPr>
+        <a:xfrm>
+          <a:off x="0" y="0"/>
+          <a:ext cx="0" cy="0"/>
+          <a:chOff x="0" y="0"/>
+          <a:chExt cx="0" cy="0"/>
+        </a:xfrm>
+      </p:grpSpPr>
+      <p:sp>
+        <p:nvSpPr>
+          <p:cNvPr id="2" name="Заголовок 1">
+            <a:extLst>
+              <a:ext uri="{FF2B5EF4-FFF2-40B4-BE49-F238E27FC236}">
+                <a16:creationId xmlns:a16="http://schemas.microsoft.com/office/drawing/2014/main" id="{D48ACACC-F0D4-45D8-A4E5-69EDDFFF337E}"/>
+              </a:ext>
+            </a:extLst>
+          </p:cNvPr>
+          <p:cNvSpPr>
+            <a:spLocks noGrp="1"/>
+          </p:cNvSpPr>
+          <p:nvPr>
+            <p:ph type="title"/>
+          </p:nvPr>
+        </p:nvSpPr>
+        <p:spPr/>
+        <p:txBody>
+          <a:bodyPr>
+            <a:normAutofit/>
+          </a:bodyPr>
+          <a:lstStyle/>
+          <a:p>
+            <a:r>
+              <a:rPr lang="ru-RU" sz="4000" dirty="0">
+                <a:latin typeface="Times New Roman" panose="02020603050405020304" pitchFamily="18" charset="0"/>
+                <a:cs typeface="Times New Roman" panose="02020603050405020304" pitchFamily="18" charset="0"/>
+              </a:rPr>
+              <a:t>Подбор </a:t>
+            </a:r>
+            <a:r>
+              <a:rPr lang="ru-RU" sz="4000" dirty="0" err="1">
+                <a:latin typeface="Times New Roman" panose="02020603050405020304" pitchFamily="18" charset="0"/>
+                <a:cs typeface="Times New Roman" panose="02020603050405020304" pitchFamily="18" charset="0"/>
+              </a:rPr>
+              <a:t>гиперпараметра</a:t>
+            </a:r>
+            <a:endParaRPr lang="ru-RU" sz="4000" dirty="0">
+              <a:latin typeface="Times New Roman" panose="02020603050405020304" pitchFamily="18" charset="0"/>
+              <a:cs typeface="Times New Roman" panose="02020603050405020304" pitchFamily="18" charset="0"/>
+            </a:endParaRPr>
+          </a:p>
+        </p:txBody>
+      </p:sp>
+      <p:pic>
+        <p:nvPicPr>
+          <p:cNvPr id="15" name="Объект 14">
+            <a:extLst>
+              <a:ext uri="{FF2B5EF4-FFF2-40B4-BE49-F238E27FC236}">
+                <a16:creationId xmlns:a16="http://schemas.microsoft.com/office/drawing/2014/main" id="{E9965956-C451-4448-8169-B62431F46959}"/>
+              </a:ext>
+            </a:extLst>
+          </p:cNvPr>
+          <p:cNvPicPr>
+            <a:picLocks noGrp="1" noChangeAspect="1"/>
+          </p:cNvPicPr>
+          <p:nvPr>
+            <p:ph idx="1"/>
+          </p:nvPr>
+        </p:nvPicPr>
+        <p:blipFill>
+          <a:blip r:embed="rId2">
+            <a:extLst>
+              <a:ext uri="{28A0092B-C50C-407E-A947-70E740481C1C}">
+                <a14:useLocalDpi xmlns:a14="http://schemas.microsoft.com/office/drawing/2010/main" val="0"/>
+              </a:ext>
+            </a:extLst>
+          </a:blip>
+          <a:stretch>
+            <a:fillRect/>
+          </a:stretch>
+        </p:blipFill>
+        <p:spPr>
+          <a:xfrm>
+            <a:off x="421868" y="2024106"/>
+            <a:ext cx="5674132" cy="3613213"/>
+          </a:xfrm>
+        </p:spPr>
+      </p:pic>
+      <p:pic>
+        <p:nvPicPr>
+          <p:cNvPr id="17" name="Рисунок 16">
+            <a:extLst>
+              <a:ext uri="{FF2B5EF4-FFF2-40B4-BE49-F238E27FC236}">
+                <a16:creationId xmlns:a16="http://schemas.microsoft.com/office/drawing/2014/main" id="{B5FD7F6D-36B2-4D0A-B2D3-C83BE902AB5A}"/>
+              </a:ext>
+            </a:extLst>
+          </p:cNvPr>
+          <p:cNvPicPr>
+            <a:picLocks noChangeAspect="1"/>
+          </p:cNvPicPr>
+          <p:nvPr/>
+        </p:nvPicPr>
+        <p:blipFill>
+          <a:blip r:embed="rId3">
+            <a:extLst>
+              <a:ext uri="{28A0092B-C50C-407E-A947-70E740481C1C}">
+                <a14:useLocalDpi xmlns:a14="http://schemas.microsoft.com/office/drawing/2010/main" val="0"/>
+              </a:ext>
+            </a:extLst>
+          </a:blip>
+          <a:stretch>
+            <a:fillRect/>
+          </a:stretch>
+        </p:blipFill>
+        <p:spPr>
+          <a:xfrm>
+            <a:off x="6096000" y="2024106"/>
+            <a:ext cx="5674132" cy="3613213"/>
+          </a:xfrm>
+          <a:prstGeom prst="rect">
+            <a:avLst/>
+          </a:prstGeom>
+        </p:spPr>
+      </p:pic>
+    </p:spTree>
+    <p:extLst>
+      <p:ext uri="{BB962C8B-B14F-4D97-AF65-F5344CB8AC3E}">
+        <p14:creationId xmlns:p14="http://schemas.microsoft.com/office/powerpoint/2010/main" val="303239471"/>
+      </p:ext>
+    </p:extLst>
+  </p:cSld>
+  <p:clrMapOvr>
+    <a:masterClrMapping/>
+  </p:clrMapOvr>
+</p:sld>
+</file>
+
+<file path=ppt/slides/slide6.xml><?xml version="1.0" encoding="utf-8"?>
+<p:sld xmlns:a="http://schemas.openxmlformats.org/drawingml/2006/main" xmlns:r="http://schemas.openxmlformats.org/officeDocument/2006/relationships" xmlns:p="http://schemas.openxmlformats.org/presentationml/2006/main">
+  <p:cSld>
+    <p:spTree>
+      <p:nvGrpSpPr>
+        <p:cNvPr id="1" name=""/>
+        <p:cNvGrpSpPr/>
+        <p:nvPr/>
+      </p:nvGrpSpPr>
+      <p:grpSpPr>
+        <a:xfrm>
+          <a:off x="0" y="0"/>
+          <a:ext cx="0" cy="0"/>
+          <a:chOff x="0" y="0"/>
+          <a:chExt cx="0" cy="0"/>
+        </a:xfrm>
+      </p:grpSpPr>
+      <p:sp>
+        <p:nvSpPr>
+          <p:cNvPr id="2" name="Заголовок 1">
+            <a:extLst>
+              <a:ext uri="{FF2B5EF4-FFF2-40B4-BE49-F238E27FC236}">
+                <a16:creationId xmlns:a16="http://schemas.microsoft.com/office/drawing/2014/main" id="{875478ED-597D-4D04-9530-B6E730BB023B}"/>
+              </a:ext>
+            </a:extLst>
+          </p:cNvPr>
+          <p:cNvSpPr>
+            <a:spLocks noGrp="1"/>
+          </p:cNvSpPr>
+          <p:nvPr>
+            <p:ph type="title"/>
+          </p:nvPr>
+        </p:nvSpPr>
+        <p:spPr/>
+        <p:txBody>
+          <a:bodyPr>
+            <a:normAutofit/>
+          </a:bodyPr>
+          <a:lstStyle/>
+          <a:p>
+            <a:r>
+              <a:rPr lang="en-US" sz="4000" dirty="0">
+                <a:latin typeface="Times New Roman" panose="02020603050405020304" pitchFamily="18" charset="0"/>
+                <a:cs typeface="Times New Roman" panose="02020603050405020304" pitchFamily="18" charset="0"/>
+              </a:rPr>
+              <a:t>PCA </a:t>
+            </a:r>
+            <a:r>
+              <a:rPr lang="ru-RU" sz="4000" dirty="0">
+                <a:latin typeface="Times New Roman" panose="02020603050405020304" pitchFamily="18" charset="0"/>
+                <a:cs typeface="Times New Roman" panose="02020603050405020304" pitchFamily="18" charset="0"/>
+              </a:rPr>
+              <a:t>преобразование</a:t>
+            </a:r>
+          </a:p>
+        </p:txBody>
+      </p:sp>
+      <p:pic>
+        <p:nvPicPr>
+          <p:cNvPr id="9" name="Объект 8">
+            <a:extLst>
+              <a:ext uri="{FF2B5EF4-FFF2-40B4-BE49-F238E27FC236}">
+                <a16:creationId xmlns:a16="http://schemas.microsoft.com/office/drawing/2014/main" id="{5ED0B9DF-E368-4DD2-8BF0-EAE5D24541AA}"/>
+              </a:ext>
+            </a:extLst>
+          </p:cNvPr>
+          <p:cNvPicPr>
+            <a:picLocks noGrp="1" noChangeAspect="1"/>
+          </p:cNvPicPr>
+          <p:nvPr>
+            <p:ph idx="1"/>
+          </p:nvPr>
+        </p:nvPicPr>
+        <p:blipFill>
+          <a:blip r:embed="rId2">
+            <a:extLst>
+              <a:ext uri="{28A0092B-C50C-407E-A947-70E740481C1C}">
+                <a14:useLocalDpi xmlns:a14="http://schemas.microsoft.com/office/drawing/2010/main" val="0"/>
+              </a:ext>
+            </a:extLst>
+          </a:blip>
+          <a:stretch>
+            <a:fillRect/>
+          </a:stretch>
+        </p:blipFill>
+        <p:spPr>
+          <a:xfrm>
+            <a:off x="2731072" y="1690688"/>
+            <a:ext cx="6729856" cy="4351338"/>
+          </a:xfrm>
+        </p:spPr>
+      </p:pic>
+    </p:spTree>
+    <p:extLst>
+      <p:ext uri="{BB962C8B-B14F-4D97-AF65-F5344CB8AC3E}">
+        <p14:creationId xmlns:p14="http://schemas.microsoft.com/office/powerpoint/2010/main" val="1700385019"/>
+      </p:ext>
+    </p:extLst>
+  </p:cSld>
+  <p:clrMapOvr>
+    <a:masterClrMapping/>
+  </p:clrMapOvr>
+</p:sld>
+</file>
+
+<file path=ppt/slides/slide7.xml><?xml version="1.0" encoding="utf-8"?>
+<p:sld xmlns:a="http://schemas.openxmlformats.org/drawingml/2006/main" xmlns:r="http://schemas.openxmlformats.org/officeDocument/2006/relationships" xmlns:p="http://schemas.openxmlformats.org/presentationml/2006/main">
+  <p:cSld>
+    <p:spTree>
+      <p:nvGrpSpPr>
+        <p:cNvPr id="1" name=""/>
+        <p:cNvGrpSpPr/>
+        <p:nvPr/>
+      </p:nvGrpSpPr>
+      <p:grpSpPr>
+        <a:xfrm>
+          <a:off x="0" y="0"/>
+          <a:ext cx="0" cy="0"/>
+          <a:chOff x="0" y="0"/>
+          <a:chExt cx="0" cy="0"/>
+        </a:xfrm>
+      </p:grpSpPr>
+      <p:sp>
+        <p:nvSpPr>
+          <p:cNvPr id="2" name="Заголовок 1">
+            <a:extLst>
+              <a:ext uri="{FF2B5EF4-FFF2-40B4-BE49-F238E27FC236}">
+                <a16:creationId xmlns:a16="http://schemas.microsoft.com/office/drawing/2014/main" id="{D032E45F-35A7-4D6A-B3AB-05A08840ADD5}"/>
+              </a:ext>
+            </a:extLst>
+          </p:cNvPr>
+          <p:cNvSpPr>
+            <a:spLocks noGrp="1"/>
+          </p:cNvSpPr>
+          <p:nvPr>
+            <p:ph type="title"/>
+          </p:nvPr>
+        </p:nvSpPr>
+        <p:spPr/>
+        <p:txBody>
+          <a:bodyPr>
+            <a:normAutofit/>
+          </a:bodyPr>
+          <a:lstStyle/>
+          <a:p>
+            <a:r>
+              <a:rPr lang="ru-RU" sz="4000" dirty="0">
+                <a:latin typeface="Times New Roman" panose="02020603050405020304" pitchFamily="18" charset="0"/>
+                <a:cs typeface="Times New Roman" panose="02020603050405020304" pitchFamily="18" charset="0"/>
+              </a:rPr>
+              <a:t>Обучение с </a:t>
+            </a:r>
+            <a:r>
+              <a:rPr lang="en-US" sz="4000" dirty="0">
+                <a:latin typeface="Times New Roman" panose="02020603050405020304" pitchFamily="18" charset="0"/>
+                <a:cs typeface="Times New Roman" panose="02020603050405020304" pitchFamily="18" charset="0"/>
+              </a:rPr>
+              <a:t>PCA</a:t>
+            </a:r>
+            <a:endParaRPr lang="ru-RU" sz="4000" dirty="0">
+              <a:latin typeface="Times New Roman" panose="02020603050405020304" pitchFamily="18" charset="0"/>
+              <a:cs typeface="Times New Roman" panose="02020603050405020304" pitchFamily="18" charset="0"/>
+            </a:endParaRPr>
+          </a:p>
+        </p:txBody>
+      </p:sp>
+      <p:pic>
+        <p:nvPicPr>
+          <p:cNvPr id="5" name="Объект 4">
+            <a:extLst>
+              <a:ext uri="{FF2B5EF4-FFF2-40B4-BE49-F238E27FC236}">
+                <a16:creationId xmlns:a16="http://schemas.microsoft.com/office/drawing/2014/main" id="{4FCCC7B0-32F9-4870-934B-0CE53E3BCAE8}"/>
+              </a:ext>
+            </a:extLst>
+          </p:cNvPr>
+          <p:cNvPicPr>
+            <a:picLocks noGrp="1" noChangeAspect="1"/>
+          </p:cNvPicPr>
+          <p:nvPr>
+            <p:ph idx="1"/>
+          </p:nvPr>
+        </p:nvPicPr>
+        <p:blipFill>
+          <a:blip r:embed="rId2">
+            <a:extLst>
+              <a:ext uri="{28A0092B-C50C-407E-A947-70E740481C1C}">
+                <a14:useLocalDpi xmlns:a14="http://schemas.microsoft.com/office/drawing/2010/main" val="0"/>
+              </a:ext>
+            </a:extLst>
+          </a:blip>
+          <a:stretch>
+            <a:fillRect/>
+          </a:stretch>
+        </p:blipFill>
+        <p:spPr>
+          <a:xfrm>
+            <a:off x="413827" y="2066611"/>
+            <a:ext cx="5682173" cy="3618334"/>
+          </a:xfrm>
+        </p:spPr>
+      </p:pic>
+      <p:pic>
+        <p:nvPicPr>
+          <p:cNvPr id="7" name="Рисунок 6">
+            <a:extLst>
+              <a:ext uri="{FF2B5EF4-FFF2-40B4-BE49-F238E27FC236}">
+                <a16:creationId xmlns:a16="http://schemas.microsoft.com/office/drawing/2014/main" id="{D889656C-F359-4B2B-9B1B-7766D8B8BB02}"/>
+              </a:ext>
+            </a:extLst>
+          </p:cNvPr>
+          <p:cNvPicPr>
+            <a:picLocks noChangeAspect="1"/>
+          </p:cNvPicPr>
+          <p:nvPr/>
+        </p:nvPicPr>
+        <p:blipFill>
+          <a:blip r:embed="rId3">
+            <a:extLst>
+              <a:ext uri="{28A0092B-C50C-407E-A947-70E740481C1C}">
+                <a14:useLocalDpi xmlns:a14="http://schemas.microsoft.com/office/drawing/2010/main" val="0"/>
+              </a:ext>
+            </a:extLst>
+          </a:blip>
+          <a:stretch>
+            <a:fillRect/>
+          </a:stretch>
+        </p:blipFill>
+        <p:spPr>
+          <a:xfrm>
+            <a:off x="6095999" y="2066611"/>
+            <a:ext cx="5682174" cy="3618334"/>
+          </a:xfrm>
+          <a:prstGeom prst="rect">
+            <a:avLst/>
+          </a:prstGeom>
+        </p:spPr>
+      </p:pic>
+    </p:spTree>
+    <p:extLst>
+      <p:ext uri="{BB962C8B-B14F-4D97-AF65-F5344CB8AC3E}">
+        <p14:creationId xmlns:p14="http://schemas.microsoft.com/office/powerpoint/2010/main" val="4203445883"/>
+      </p:ext>
+    </p:extLst>
+  </p:cSld>
+  <p:clrMapOvr>
+    <a:masterClrMapping/>
+  </p:clrMapOvr>
+</p:sld>
+</file>
+
 <file path=ppt/theme/theme1.xml><?xml version="1.0" encoding="utf-8"?>
 <a:theme xmlns:a="http://schemas.openxmlformats.org/drawingml/2006/main" name="Тема Office">
   <a:themeElements>

--- a/ML/Complex task/Комплексная задача.pptx
+++ b/ML/Complex task/Комплексная задача.pptx
@@ -12,6 +12,9 @@
     <p:sldId id="260" r:id="rId6"/>
     <p:sldId id="261" r:id="rId7"/>
     <p:sldId id="262" r:id="rId8"/>
+    <p:sldId id="263" r:id="rId9"/>
+    <p:sldId id="264" r:id="rId10"/>
+    <p:sldId id="265" r:id="rId11"/>
   </p:sldIdLst>
   <p:sldSz cx="12192000" cy="6858000"/>
   <p:notesSz cx="6858000" cy="9144000"/>
@@ -265,7 +268,7 @@
           <a:p>
             <a:fld id="{A9DD6076-1263-436A-9AED-1D0B43D4D05B}" type="datetimeFigureOut">
               <a:rPr lang="ru-RU" smtClean="0"/>
-              <a:t>17.11.2024</a:t>
+              <a:t>23.11.2024</a:t>
             </a:fld>
             <a:endParaRPr lang="ru-RU"/>
           </a:p>
@@ -463,7 +466,7 @@
           <a:p>
             <a:fld id="{A9DD6076-1263-436A-9AED-1D0B43D4D05B}" type="datetimeFigureOut">
               <a:rPr lang="ru-RU" smtClean="0"/>
-              <a:t>17.11.2024</a:t>
+              <a:t>23.11.2024</a:t>
             </a:fld>
             <a:endParaRPr lang="ru-RU"/>
           </a:p>
@@ -671,7 +674,7 @@
           <a:p>
             <a:fld id="{A9DD6076-1263-436A-9AED-1D0B43D4D05B}" type="datetimeFigureOut">
               <a:rPr lang="ru-RU" smtClean="0"/>
-              <a:t>17.11.2024</a:t>
+              <a:t>23.11.2024</a:t>
             </a:fld>
             <a:endParaRPr lang="ru-RU"/>
           </a:p>
@@ -869,7 +872,7 @@
           <a:p>
             <a:fld id="{A9DD6076-1263-436A-9AED-1D0B43D4D05B}" type="datetimeFigureOut">
               <a:rPr lang="ru-RU" smtClean="0"/>
-              <a:t>17.11.2024</a:t>
+              <a:t>23.11.2024</a:t>
             </a:fld>
             <a:endParaRPr lang="ru-RU"/>
           </a:p>
@@ -1144,7 +1147,7 @@
           <a:p>
             <a:fld id="{A9DD6076-1263-436A-9AED-1D0B43D4D05B}" type="datetimeFigureOut">
               <a:rPr lang="ru-RU" smtClean="0"/>
-              <a:t>17.11.2024</a:t>
+              <a:t>23.11.2024</a:t>
             </a:fld>
             <a:endParaRPr lang="ru-RU"/>
           </a:p>
@@ -1409,7 +1412,7 @@
           <a:p>
             <a:fld id="{A9DD6076-1263-436A-9AED-1D0B43D4D05B}" type="datetimeFigureOut">
               <a:rPr lang="ru-RU" smtClean="0"/>
-              <a:t>17.11.2024</a:t>
+              <a:t>23.11.2024</a:t>
             </a:fld>
             <a:endParaRPr lang="ru-RU"/>
           </a:p>
@@ -1821,7 +1824,7 @@
           <a:p>
             <a:fld id="{A9DD6076-1263-436A-9AED-1D0B43D4D05B}" type="datetimeFigureOut">
               <a:rPr lang="ru-RU" smtClean="0"/>
-              <a:t>17.11.2024</a:t>
+              <a:t>23.11.2024</a:t>
             </a:fld>
             <a:endParaRPr lang="ru-RU"/>
           </a:p>
@@ -1962,7 +1965,7 @@
           <a:p>
             <a:fld id="{A9DD6076-1263-436A-9AED-1D0B43D4D05B}" type="datetimeFigureOut">
               <a:rPr lang="ru-RU" smtClean="0"/>
-              <a:t>17.11.2024</a:t>
+              <a:t>23.11.2024</a:t>
             </a:fld>
             <a:endParaRPr lang="ru-RU"/>
           </a:p>
@@ -2075,7 +2078,7 @@
           <a:p>
             <a:fld id="{A9DD6076-1263-436A-9AED-1D0B43D4D05B}" type="datetimeFigureOut">
               <a:rPr lang="ru-RU" smtClean="0"/>
-              <a:t>17.11.2024</a:t>
+              <a:t>23.11.2024</a:t>
             </a:fld>
             <a:endParaRPr lang="ru-RU"/>
           </a:p>
@@ -2386,7 +2389,7 @@
           <a:p>
             <a:fld id="{A9DD6076-1263-436A-9AED-1D0B43D4D05B}" type="datetimeFigureOut">
               <a:rPr lang="ru-RU" smtClean="0"/>
-              <a:t>17.11.2024</a:t>
+              <a:t>23.11.2024</a:t>
             </a:fld>
             <a:endParaRPr lang="ru-RU"/>
           </a:p>
@@ -2674,7 +2677,7 @@
           <a:p>
             <a:fld id="{A9DD6076-1263-436A-9AED-1D0B43D4D05B}" type="datetimeFigureOut">
               <a:rPr lang="ru-RU" smtClean="0"/>
-              <a:t>17.11.2024</a:t>
+              <a:t>23.11.2024</a:t>
             </a:fld>
             <a:endParaRPr lang="ru-RU"/>
           </a:p>
@@ -2915,7 +2918,7 @@
           <a:p>
             <a:fld id="{A9DD6076-1263-436A-9AED-1D0B43D4D05B}" type="datetimeFigureOut">
               <a:rPr lang="ru-RU" smtClean="0"/>
-              <a:t>17.11.2024</a:t>
+              <a:t>23.11.2024</a:t>
             </a:fld>
             <a:endParaRPr lang="ru-RU"/>
           </a:p>
@@ -3350,7 +3353,7 @@
         </p:nvSpPr>
         <p:spPr>
           <a:xfrm>
-            <a:off x="1524000" y="216840"/>
+            <a:off x="1524000" y="776134"/>
             <a:ext cx="9144000" cy="2387600"/>
           </a:xfrm>
         </p:spPr>
@@ -3367,6 +3370,19 @@
               </a:rPr>
               <a:t>Комплексная задача</a:t>
             </a:r>
+            <a:br>
+              <a:rPr lang="en-US" sz="4400" dirty="0">
+                <a:latin typeface="Times New Roman" panose="02020603050405020304" pitchFamily="18" charset="0"/>
+                <a:cs typeface="Times New Roman" panose="02020603050405020304" pitchFamily="18" charset="0"/>
+              </a:rPr>
+            </a:br>
+            <a:r>
+              <a:rPr lang="ru-RU" sz="3200" dirty="0">
+                <a:latin typeface="Times New Roman" panose="02020603050405020304" pitchFamily="18" charset="0"/>
+                <a:cs typeface="Times New Roman" panose="02020603050405020304" pitchFamily="18" charset="0"/>
+              </a:rPr>
+              <a:t>Продвинутые методы машинного обучения</a:t>
+            </a:r>
           </a:p>
         </p:txBody>
       </p:sp>
@@ -3405,6 +3421,73 @@
     <p:extLst>
       <p:ext uri="{BB962C8B-B14F-4D97-AF65-F5344CB8AC3E}">
         <p14:creationId xmlns:p14="http://schemas.microsoft.com/office/powerpoint/2010/main" val="39023311"/>
+      </p:ext>
+    </p:extLst>
+  </p:cSld>
+  <p:clrMapOvr>
+    <a:masterClrMapping/>
+  </p:clrMapOvr>
+</p:sld>
+</file>
+
+<file path=ppt/slides/slide10.xml><?xml version="1.0" encoding="utf-8"?>
+<p:sld xmlns:a="http://schemas.openxmlformats.org/drawingml/2006/main" xmlns:r="http://schemas.openxmlformats.org/officeDocument/2006/relationships" xmlns:p="http://schemas.openxmlformats.org/presentationml/2006/main">
+  <p:cSld>
+    <p:spTree>
+      <p:nvGrpSpPr>
+        <p:cNvPr id="1" name=""/>
+        <p:cNvGrpSpPr/>
+        <p:nvPr/>
+      </p:nvGrpSpPr>
+      <p:grpSpPr>
+        <a:xfrm>
+          <a:off x="0" y="0"/>
+          <a:ext cx="0" cy="0"/>
+          <a:chOff x="0" y="0"/>
+          <a:chExt cx="0" cy="0"/>
+        </a:xfrm>
+      </p:grpSpPr>
+      <p:sp>
+        <p:nvSpPr>
+          <p:cNvPr id="2" name="Заголовок 1">
+            <a:extLst>
+              <a:ext uri="{FF2B5EF4-FFF2-40B4-BE49-F238E27FC236}">
+                <a16:creationId xmlns:a16="http://schemas.microsoft.com/office/drawing/2014/main" id="{8A735CEE-D570-4076-A068-E425B5BEC774}"/>
+              </a:ext>
+            </a:extLst>
+          </p:cNvPr>
+          <p:cNvSpPr>
+            <a:spLocks noGrp="1"/>
+          </p:cNvSpPr>
+          <p:nvPr>
+            <p:ph type="title"/>
+          </p:nvPr>
+        </p:nvSpPr>
+        <p:spPr>
+          <a:xfrm>
+            <a:off x="3456742" y="2766218"/>
+            <a:ext cx="5278515" cy="1325563"/>
+          </a:xfrm>
+        </p:spPr>
+        <p:txBody>
+          <a:bodyPr/>
+          <a:lstStyle/>
+          <a:p>
+            <a:r>
+              <a:rPr lang="ru-RU" dirty="0">
+                <a:latin typeface="Times New Roman" panose="02020603050405020304" pitchFamily="18" charset="0"/>
+                <a:cs typeface="Times New Roman" panose="02020603050405020304" pitchFamily="18" charset="0"/>
+              </a:rPr>
+              <a:t>Спасибо за внимание</a:t>
+            </a:r>
+            <a:endParaRPr lang="ru-RU" dirty="0"/>
+          </a:p>
+        </p:txBody>
+      </p:sp>
+    </p:spTree>
+    <p:extLst>
+      <p:ext uri="{BB962C8B-B14F-4D97-AF65-F5344CB8AC3E}">
+        <p14:creationId xmlns:p14="http://schemas.microsoft.com/office/powerpoint/2010/main" val="368376372"/>
       </p:ext>
     </p:extLst>
   </p:cSld>
@@ -3501,21 +3584,11 @@
           </a:p>
           <a:p>
             <a:r>
-              <a:rPr lang="ru-RU" b="0" i="0" dirty="0">
-                <a:effectLst/>
-                <a:latin typeface="Times New Roman" panose="02020603050405020304" pitchFamily="18" charset="0"/>
-                <a:cs typeface="Times New Roman" panose="02020603050405020304" pitchFamily="18" charset="0"/>
-              </a:rPr>
-              <a:t>Практическое применение</a:t>
-            </a:r>
-          </a:p>
-          <a:p>
-            <a:r>
               <a:rPr lang="ru-RU" dirty="0">
                 <a:latin typeface="Times New Roman" panose="02020603050405020304" pitchFamily="18" charset="0"/>
                 <a:cs typeface="Times New Roman" panose="02020603050405020304" pitchFamily="18" charset="0"/>
               </a:rPr>
-              <a:t>Польза для общества и научной области</a:t>
+              <a:t>Польза для общества и науки</a:t>
             </a:r>
           </a:p>
           <a:p>
@@ -3601,7 +3674,7 @@
                 <a:latin typeface="Times New Roman" panose="02020603050405020304" pitchFamily="18" charset="0"/>
                 <a:cs typeface="Times New Roman" panose="02020603050405020304" pitchFamily="18" charset="0"/>
               </a:rPr>
-              <a:t>Цели, задачи работы и практическая значимость</a:t>
+              <a:t>Цели, задачи работы </a:t>
             </a:r>
           </a:p>
         </p:txBody>
@@ -3653,18 +3726,14 @@
             </a:r>
             <a:r>
               <a:rPr lang="en-US" dirty="0" err="1"/>
-              <a:t>DecisonTree</a:t>
+              <a:t>DecisionTree</a:t>
             </a:r>
             <a:endParaRPr lang="ru-RU" dirty="0"/>
           </a:p>
           <a:p>
             <a:r>
-              <a:rPr lang="ru-RU" dirty="0"/>
-              <a:t>Определить превышение порога целевой переменной в </a:t>
-            </a:r>
-            <a:r>
-              <a:rPr lang="ru-RU" dirty="0" err="1"/>
-              <a:t>датасете</a:t>
+              <a:rPr lang="ru-RU"/>
+              <a:t>Исследовать полученные модели</a:t>
             </a:r>
             <a:endParaRPr lang="en-US" dirty="0"/>
           </a:p>
@@ -3867,7 +3936,7 @@
         <p:spPr>
           <a:xfrm>
             <a:off x="7729413" y="5071132"/>
-            <a:ext cx="1485278" cy="400110"/>
+            <a:ext cx="1555811" cy="400110"/>
           </a:xfrm>
           <a:prstGeom prst="rect">
             <a:avLst/>
@@ -3885,7 +3954,7 @@
                 <a:latin typeface="Times New Roman" panose="02020603050405020304" pitchFamily="18" charset="0"/>
                 <a:cs typeface="Times New Roman" panose="02020603050405020304" pitchFamily="18" charset="0"/>
               </a:rPr>
-              <a:t>DecisonTree</a:t>
+              <a:t>DecisionTree</a:t>
             </a:r>
             <a:endParaRPr lang="ru-RU" sz="2000" dirty="0">
               <a:latin typeface="Times New Roman" panose="02020603050405020304" pitchFamily="18" charset="0"/>
@@ -4039,6 +4108,166 @@
           </a:prstGeom>
         </p:spPr>
       </p:pic>
+      <p:sp>
+        <p:nvSpPr>
+          <p:cNvPr id="7" name="TextBox 6">
+            <a:extLst>
+              <a:ext uri="{FF2B5EF4-FFF2-40B4-BE49-F238E27FC236}">
+                <a16:creationId xmlns:a16="http://schemas.microsoft.com/office/drawing/2014/main" id="{0A92A63A-A08C-441C-99DA-C446135E39AD}"/>
+              </a:ext>
+            </a:extLst>
+          </p:cNvPr>
+          <p:cNvSpPr txBox="1"/>
+          <p:nvPr/>
+        </p:nvSpPr>
+        <p:spPr>
+          <a:xfrm>
+            <a:off x="3111842" y="5613284"/>
+            <a:ext cx="684803" cy="400110"/>
+          </a:xfrm>
+          <a:prstGeom prst="rect">
+            <a:avLst/>
+          </a:prstGeom>
+          <a:noFill/>
+        </p:spPr>
+        <p:txBody>
+          <a:bodyPr wrap="none" rtlCol="0">
+            <a:spAutoFit/>
+          </a:bodyPr>
+          <a:lstStyle/>
+          <a:p>
+            <a:r>
+              <a:rPr lang="en-US" sz="2000" dirty="0" err="1">
+                <a:latin typeface="Times New Roman" panose="02020603050405020304" pitchFamily="18" charset="0"/>
+                <a:cs typeface="Times New Roman" panose="02020603050405020304" pitchFamily="18" charset="0"/>
+              </a:rPr>
+              <a:t>kNN</a:t>
+            </a:r>
+            <a:endParaRPr lang="en-US" sz="2000" dirty="0">
+              <a:latin typeface="Times New Roman" panose="02020603050405020304" pitchFamily="18" charset="0"/>
+              <a:cs typeface="Times New Roman" panose="02020603050405020304" pitchFamily="18" charset="0"/>
+            </a:endParaRPr>
+          </a:p>
+        </p:txBody>
+      </p:sp>
+      <p:sp>
+        <p:nvSpPr>
+          <p:cNvPr id="8" name="TextBox 7">
+            <a:extLst>
+              <a:ext uri="{FF2B5EF4-FFF2-40B4-BE49-F238E27FC236}">
+                <a16:creationId xmlns:a16="http://schemas.microsoft.com/office/drawing/2014/main" id="{FFA9C5DF-E1B2-42F0-9424-4715404DAFD5}"/>
+              </a:ext>
+            </a:extLst>
+          </p:cNvPr>
+          <p:cNvSpPr txBox="1"/>
+          <p:nvPr/>
+        </p:nvSpPr>
+        <p:spPr>
+          <a:xfrm>
+            <a:off x="8466376" y="5613284"/>
+            <a:ext cx="1615314" cy="400110"/>
+          </a:xfrm>
+          <a:prstGeom prst="rect">
+            <a:avLst/>
+          </a:prstGeom>
+          <a:noFill/>
+        </p:spPr>
+        <p:txBody>
+          <a:bodyPr wrap="none" rtlCol="0">
+            <a:spAutoFit/>
+          </a:bodyPr>
+          <a:lstStyle/>
+          <a:p>
+            <a:r>
+              <a:rPr lang="en-US" sz="2000" dirty="0" err="1">
+                <a:latin typeface="Times New Roman" panose="02020603050405020304" pitchFamily="18" charset="0"/>
+                <a:cs typeface="Times New Roman" panose="02020603050405020304" pitchFamily="18" charset="0"/>
+              </a:rPr>
+              <a:t>DecisionTree</a:t>
+            </a:r>
+            <a:endParaRPr lang="ru-RU" sz="2000" dirty="0">
+              <a:latin typeface="Times New Roman" panose="02020603050405020304" pitchFamily="18" charset="0"/>
+              <a:cs typeface="Times New Roman" panose="02020603050405020304" pitchFamily="18" charset="0"/>
+            </a:endParaRPr>
+          </a:p>
+        </p:txBody>
+      </p:sp>
+      <p:cxnSp>
+        <p:nvCxnSpPr>
+          <p:cNvPr id="9" name="Прямая соединительная линия 8">
+            <a:extLst>
+              <a:ext uri="{FF2B5EF4-FFF2-40B4-BE49-F238E27FC236}">
+                <a16:creationId xmlns:a16="http://schemas.microsoft.com/office/drawing/2014/main" id="{26D58888-6CF5-4038-95D9-7ACEB72213A6}"/>
+              </a:ext>
+            </a:extLst>
+          </p:cNvPr>
+          <p:cNvCxnSpPr/>
+          <p:nvPr/>
+        </p:nvCxnSpPr>
+        <p:spPr>
+          <a:xfrm>
+            <a:off x="4767308" y="2825318"/>
+            <a:ext cx="0" cy="2539014"/>
+          </a:xfrm>
+          <a:prstGeom prst="line">
+            <a:avLst/>
+          </a:prstGeom>
+          <a:ln w="38100"/>
+        </p:spPr>
+        <p:style>
+          <a:lnRef idx="1">
+            <a:schemeClr val="accent2"/>
+          </a:lnRef>
+          <a:fillRef idx="0">
+            <a:schemeClr val="accent2"/>
+          </a:fillRef>
+          <a:effectRef idx="0">
+            <a:schemeClr val="accent2"/>
+          </a:effectRef>
+          <a:fontRef idx="minor">
+            <a:schemeClr val="tx1"/>
+          </a:fontRef>
+        </p:style>
+      </p:cxnSp>
+      <p:cxnSp>
+        <p:nvCxnSpPr>
+          <p:cNvPr id="10" name="Прямая соединительная линия 9">
+            <a:extLst>
+              <a:ext uri="{FF2B5EF4-FFF2-40B4-BE49-F238E27FC236}">
+                <a16:creationId xmlns:a16="http://schemas.microsoft.com/office/drawing/2014/main" id="{C5F5FFC6-4B63-466A-9031-C939BC752A27}"/>
+              </a:ext>
+            </a:extLst>
+          </p:cNvPr>
+          <p:cNvCxnSpPr>
+            <a:cxnSpLocks/>
+          </p:cNvCxnSpPr>
+          <p:nvPr/>
+        </p:nvCxnSpPr>
+        <p:spPr>
+          <a:xfrm>
+            <a:off x="8016536" y="2539014"/>
+            <a:ext cx="0" cy="2825318"/>
+          </a:xfrm>
+          <a:prstGeom prst="line">
+            <a:avLst/>
+          </a:prstGeom>
+          <a:ln w="38100"/>
+        </p:spPr>
+        <p:style>
+          <a:lnRef idx="1">
+            <a:schemeClr val="accent2"/>
+          </a:lnRef>
+          <a:fillRef idx="0">
+            <a:schemeClr val="accent2"/>
+          </a:fillRef>
+          <a:effectRef idx="0">
+            <a:schemeClr val="accent2"/>
+          </a:effectRef>
+          <a:fontRef idx="minor">
+            <a:schemeClr val="tx1"/>
+          </a:fontRef>
+        </p:style>
+      </p:cxnSp>
     </p:spTree>
     <p:extLst>
       <p:ext uri="{BB962C8B-B14F-4D97-AF65-F5344CB8AC3E}">
@@ -4144,6 +4373,41 @@
           </a:xfrm>
         </p:spPr>
       </p:pic>
+      <p:sp>
+        <p:nvSpPr>
+          <p:cNvPr id="3" name="TextBox 2">
+            <a:extLst>
+              <a:ext uri="{FF2B5EF4-FFF2-40B4-BE49-F238E27FC236}">
+                <a16:creationId xmlns:a16="http://schemas.microsoft.com/office/drawing/2014/main" id="{3137BAA1-96D4-4921-8693-C5B0CC508EA2}"/>
+              </a:ext>
+            </a:extLst>
+          </p:cNvPr>
+          <p:cNvSpPr txBox="1"/>
+          <p:nvPr/>
+        </p:nvSpPr>
+        <p:spPr>
+          <a:xfrm>
+            <a:off x="4465468" y="6042026"/>
+            <a:ext cx="4018023" cy="369332"/>
+          </a:xfrm>
+          <a:prstGeom prst="rect">
+            <a:avLst/>
+          </a:prstGeom>
+          <a:noFill/>
+        </p:spPr>
+        <p:txBody>
+          <a:bodyPr wrap="none" rtlCol="0">
+            <a:spAutoFit/>
+          </a:bodyPr>
+          <a:lstStyle/>
+          <a:p>
+            <a:r>
+              <a:rPr lang="ru-RU" dirty="0"/>
+              <a:t>Выбор оптимального числа компонент</a:t>
+            </a:r>
+          </a:p>
+        </p:txBody>
+      </p:sp>
     </p:spTree>
     <p:extLst>
       <p:ext uri="{BB962C8B-B14F-4D97-AF65-F5344CB8AC3E}">
@@ -4289,10 +4553,749 @@
           </a:prstGeom>
         </p:spPr>
       </p:pic>
+      <p:sp>
+        <p:nvSpPr>
+          <p:cNvPr id="6" name="TextBox 5">
+            <a:extLst>
+              <a:ext uri="{FF2B5EF4-FFF2-40B4-BE49-F238E27FC236}">
+                <a16:creationId xmlns:a16="http://schemas.microsoft.com/office/drawing/2014/main" id="{0661F762-5DCF-49F9-9B88-253ADDEB509E}"/>
+              </a:ext>
+            </a:extLst>
+          </p:cNvPr>
+          <p:cNvSpPr txBox="1"/>
+          <p:nvPr/>
+        </p:nvSpPr>
+        <p:spPr>
+          <a:xfrm>
+            <a:off x="8528404" y="5684945"/>
+            <a:ext cx="1615314" cy="400110"/>
+          </a:xfrm>
+          <a:prstGeom prst="rect">
+            <a:avLst/>
+          </a:prstGeom>
+          <a:noFill/>
+        </p:spPr>
+        <p:txBody>
+          <a:bodyPr wrap="none" rtlCol="0">
+            <a:spAutoFit/>
+          </a:bodyPr>
+          <a:lstStyle/>
+          <a:p>
+            <a:r>
+              <a:rPr lang="en-US" sz="2000" dirty="0" err="1">
+                <a:latin typeface="Times New Roman" panose="02020603050405020304" pitchFamily="18" charset="0"/>
+                <a:cs typeface="Times New Roman" panose="02020603050405020304" pitchFamily="18" charset="0"/>
+              </a:rPr>
+              <a:t>DecisionTree</a:t>
+            </a:r>
+            <a:endParaRPr lang="ru-RU" sz="2000" dirty="0">
+              <a:latin typeface="Times New Roman" panose="02020603050405020304" pitchFamily="18" charset="0"/>
+              <a:cs typeface="Times New Roman" panose="02020603050405020304" pitchFamily="18" charset="0"/>
+            </a:endParaRPr>
+          </a:p>
+        </p:txBody>
+      </p:sp>
+      <p:sp>
+        <p:nvSpPr>
+          <p:cNvPr id="8" name="TextBox 7">
+            <a:extLst>
+              <a:ext uri="{FF2B5EF4-FFF2-40B4-BE49-F238E27FC236}">
+                <a16:creationId xmlns:a16="http://schemas.microsoft.com/office/drawing/2014/main" id="{D0BBCE0D-2DCB-49A9-AA64-F4C19F59A6B1}"/>
+              </a:ext>
+            </a:extLst>
+          </p:cNvPr>
+          <p:cNvSpPr txBox="1"/>
+          <p:nvPr/>
+        </p:nvSpPr>
+        <p:spPr>
+          <a:xfrm>
+            <a:off x="3094086" y="5684945"/>
+            <a:ext cx="684803" cy="400110"/>
+          </a:xfrm>
+          <a:prstGeom prst="rect">
+            <a:avLst/>
+          </a:prstGeom>
+          <a:noFill/>
+        </p:spPr>
+        <p:txBody>
+          <a:bodyPr wrap="none" rtlCol="0">
+            <a:spAutoFit/>
+          </a:bodyPr>
+          <a:lstStyle/>
+          <a:p>
+            <a:r>
+              <a:rPr lang="en-US" sz="2000" dirty="0" err="1">
+                <a:latin typeface="Times New Roman" panose="02020603050405020304" pitchFamily="18" charset="0"/>
+                <a:cs typeface="Times New Roman" panose="02020603050405020304" pitchFamily="18" charset="0"/>
+              </a:rPr>
+              <a:t>kNN</a:t>
+            </a:r>
+            <a:endParaRPr lang="en-US" sz="2000" dirty="0">
+              <a:latin typeface="Times New Roman" panose="02020603050405020304" pitchFamily="18" charset="0"/>
+              <a:cs typeface="Times New Roman" panose="02020603050405020304" pitchFamily="18" charset="0"/>
+            </a:endParaRPr>
+          </a:p>
+        </p:txBody>
+      </p:sp>
+      <p:cxnSp>
+        <p:nvCxnSpPr>
+          <p:cNvPr id="4" name="Прямая соединительная линия 3">
+            <a:extLst>
+              <a:ext uri="{FF2B5EF4-FFF2-40B4-BE49-F238E27FC236}">
+                <a16:creationId xmlns:a16="http://schemas.microsoft.com/office/drawing/2014/main" id="{E8319637-018A-4244-A60E-C235C233C7FA}"/>
+              </a:ext>
+            </a:extLst>
+          </p:cNvPr>
+          <p:cNvCxnSpPr/>
+          <p:nvPr/>
+        </p:nvCxnSpPr>
+        <p:spPr>
+          <a:xfrm>
+            <a:off x="4163627" y="2849732"/>
+            <a:ext cx="0" cy="2539014"/>
+          </a:xfrm>
+          <a:prstGeom prst="line">
+            <a:avLst/>
+          </a:prstGeom>
+          <a:ln w="38100"/>
+        </p:spPr>
+        <p:style>
+          <a:lnRef idx="1">
+            <a:schemeClr val="accent2"/>
+          </a:lnRef>
+          <a:fillRef idx="0">
+            <a:schemeClr val="accent2"/>
+          </a:fillRef>
+          <a:effectRef idx="0">
+            <a:schemeClr val="accent2"/>
+          </a:effectRef>
+          <a:fontRef idx="minor">
+            <a:schemeClr val="tx1"/>
+          </a:fontRef>
+        </p:style>
+      </p:cxnSp>
+      <p:cxnSp>
+        <p:nvCxnSpPr>
+          <p:cNvPr id="9" name="Прямая соединительная линия 8">
+            <a:extLst>
+              <a:ext uri="{FF2B5EF4-FFF2-40B4-BE49-F238E27FC236}">
+                <a16:creationId xmlns:a16="http://schemas.microsoft.com/office/drawing/2014/main" id="{9F31FE49-64FB-4DE9-BD12-91F7C3D3C25B}"/>
+              </a:ext>
+            </a:extLst>
+          </p:cNvPr>
+          <p:cNvCxnSpPr>
+            <a:cxnSpLocks/>
+          </p:cNvCxnSpPr>
+          <p:nvPr/>
+        </p:nvCxnSpPr>
+        <p:spPr>
+          <a:xfrm>
+            <a:off x="7609642" y="2618913"/>
+            <a:ext cx="0" cy="2769833"/>
+          </a:xfrm>
+          <a:prstGeom prst="line">
+            <a:avLst/>
+          </a:prstGeom>
+          <a:ln w="38100"/>
+        </p:spPr>
+        <p:style>
+          <a:lnRef idx="1">
+            <a:schemeClr val="accent2"/>
+          </a:lnRef>
+          <a:fillRef idx="0">
+            <a:schemeClr val="accent2"/>
+          </a:fillRef>
+          <a:effectRef idx="0">
+            <a:schemeClr val="accent2"/>
+          </a:effectRef>
+          <a:fontRef idx="minor">
+            <a:schemeClr val="tx1"/>
+          </a:fontRef>
+        </p:style>
+      </p:cxnSp>
     </p:spTree>
     <p:extLst>
       <p:ext uri="{BB962C8B-B14F-4D97-AF65-F5344CB8AC3E}">
         <p14:creationId xmlns:p14="http://schemas.microsoft.com/office/powerpoint/2010/main" val="4203445883"/>
+      </p:ext>
+    </p:extLst>
+  </p:cSld>
+  <p:clrMapOvr>
+    <a:masterClrMapping/>
+  </p:clrMapOvr>
+</p:sld>
+</file>
+
+<file path=ppt/slides/slide8.xml><?xml version="1.0" encoding="utf-8"?>
+<p:sld xmlns:a="http://schemas.openxmlformats.org/drawingml/2006/main" xmlns:r="http://schemas.openxmlformats.org/officeDocument/2006/relationships" xmlns:p="http://schemas.openxmlformats.org/presentationml/2006/main">
+  <p:cSld>
+    <p:spTree>
+      <p:nvGrpSpPr>
+        <p:cNvPr id="1" name=""/>
+        <p:cNvGrpSpPr/>
+        <p:nvPr/>
+      </p:nvGrpSpPr>
+      <p:grpSpPr>
+        <a:xfrm>
+          <a:off x="0" y="0"/>
+          <a:ext cx="0" cy="0"/>
+          <a:chOff x="0" y="0"/>
+          <a:chExt cx="0" cy="0"/>
+        </a:xfrm>
+      </p:grpSpPr>
+      <p:sp>
+        <p:nvSpPr>
+          <p:cNvPr id="2" name="Заголовок 1">
+            <a:extLst>
+              <a:ext uri="{FF2B5EF4-FFF2-40B4-BE49-F238E27FC236}">
+                <a16:creationId xmlns:a16="http://schemas.microsoft.com/office/drawing/2014/main" id="{3C9334E8-61AF-4929-AB4B-887ED9AEC31F}"/>
+              </a:ext>
+            </a:extLst>
+          </p:cNvPr>
+          <p:cNvSpPr>
+            <a:spLocks noGrp="1"/>
+          </p:cNvSpPr>
+          <p:nvPr>
+            <p:ph type="title"/>
+          </p:nvPr>
+        </p:nvSpPr>
+        <p:spPr/>
+        <p:txBody>
+          <a:bodyPr/>
+          <a:lstStyle/>
+          <a:p>
+            <a:r>
+              <a:rPr lang="ru-RU" dirty="0">
+                <a:latin typeface="Times New Roman" panose="02020603050405020304" pitchFamily="18" charset="0"/>
+                <a:cs typeface="Times New Roman" panose="02020603050405020304" pitchFamily="18" charset="0"/>
+              </a:rPr>
+              <a:t>Сравнение результатов</a:t>
+            </a:r>
+            <a:endParaRPr lang="ru-RU" dirty="0"/>
+          </a:p>
+        </p:txBody>
+      </p:sp>
+      <p:graphicFrame>
+        <p:nvGraphicFramePr>
+          <p:cNvPr id="5" name="Таблица 5">
+            <a:extLst>
+              <a:ext uri="{FF2B5EF4-FFF2-40B4-BE49-F238E27FC236}">
+                <a16:creationId xmlns:a16="http://schemas.microsoft.com/office/drawing/2014/main" id="{328E88A5-C767-4E78-8F6E-CBE3455778DF}"/>
+              </a:ext>
+            </a:extLst>
+          </p:cNvPr>
+          <p:cNvGraphicFramePr>
+            <a:graphicFrameLocks noGrp="1"/>
+          </p:cNvGraphicFramePr>
+          <p:nvPr>
+            <p:ph idx="1"/>
+            <p:extLst>
+              <p:ext uri="{D42A27DB-BD31-4B8C-83A1-F6EECF244321}">
+                <p14:modId xmlns:p14="http://schemas.microsoft.com/office/powerpoint/2010/main" val="245757706"/>
+              </p:ext>
+            </p:extLst>
+          </p:nvPr>
+        </p:nvGraphicFramePr>
+        <p:xfrm>
+          <a:off x="838200" y="1825625"/>
+          <a:ext cx="10515600" cy="1005840"/>
+        </p:xfrm>
+        <a:graphic>
+          <a:graphicData uri="http://schemas.openxmlformats.org/drawingml/2006/table">
+            <a:tbl>
+              <a:tblPr firstRow="1" bandRow="1">
+                <a:tableStyleId>{F5AB1C69-6EDB-4FF4-983F-18BD219EF322}</a:tableStyleId>
+              </a:tblPr>
+              <a:tblGrid>
+                <a:gridCol w="1314450">
+                  <a:extLst>
+                    <a:ext uri="{9D8B030D-6E8A-4147-A177-3AD203B41FA5}">
+                      <a16:colId xmlns:a16="http://schemas.microsoft.com/office/drawing/2014/main" val="24592001"/>
+                    </a:ext>
+                  </a:extLst>
+                </a:gridCol>
+                <a:gridCol w="1913323">
+                  <a:extLst>
+                    <a:ext uri="{9D8B030D-6E8A-4147-A177-3AD203B41FA5}">
+                      <a16:colId xmlns:a16="http://schemas.microsoft.com/office/drawing/2014/main" val="3539243280"/>
+                    </a:ext>
+                  </a:extLst>
+                </a:gridCol>
+                <a:gridCol w="2030027">
+                  <a:extLst>
+                    <a:ext uri="{9D8B030D-6E8A-4147-A177-3AD203B41FA5}">
+                      <a16:colId xmlns:a16="http://schemas.microsoft.com/office/drawing/2014/main" val="2399487913"/>
+                    </a:ext>
+                  </a:extLst>
+                </a:gridCol>
+                <a:gridCol w="2628900">
+                  <a:extLst>
+                    <a:ext uri="{9D8B030D-6E8A-4147-A177-3AD203B41FA5}">
+                      <a16:colId xmlns:a16="http://schemas.microsoft.com/office/drawing/2014/main" val="648981592"/>
+                    </a:ext>
+                  </a:extLst>
+                </a:gridCol>
+                <a:gridCol w="2628900">
+                  <a:extLst>
+                    <a:ext uri="{9D8B030D-6E8A-4147-A177-3AD203B41FA5}">
+                      <a16:colId xmlns:a16="http://schemas.microsoft.com/office/drawing/2014/main" val="1738608504"/>
+                    </a:ext>
+                  </a:extLst>
+                </a:gridCol>
+              </a:tblGrid>
+              <a:tr h="370840">
+                <a:tc>
+                  <a:txBody>
+                    <a:bodyPr/>
+                    <a:lstStyle/>
+                    <a:p>
+                      <a:pPr algn="ctr"/>
+                      <a:endParaRPr lang="ru-RU" dirty="0">
+                        <a:solidFill>
+                          <a:schemeClr val="tx1"/>
+                        </a:solidFill>
+                        <a:latin typeface="Times New Roman" panose="02020603050405020304" pitchFamily="18" charset="0"/>
+                        <a:cs typeface="Times New Roman" panose="02020603050405020304" pitchFamily="18" charset="0"/>
+                      </a:endParaRPr>
+                    </a:p>
+                  </a:txBody>
+                  <a:tcPr>
+                    <a:solidFill>
+                      <a:schemeClr val="bg1">
+                        <a:lumMod val="85000"/>
+                      </a:schemeClr>
+                    </a:solidFill>
+                  </a:tcPr>
+                </a:tc>
+                <a:tc>
+                  <a:txBody>
+                    <a:bodyPr/>
+                    <a:lstStyle/>
+                    <a:p>
+                      <a:pPr marL="0" marR="0" lvl="0" indent="0" algn="ctr" defTabSz="914400" rtl="0" eaLnBrk="1" fontAlgn="auto" latinLnBrk="0" hangingPunct="1">
+                        <a:lnSpc>
+                          <a:spcPct val="100000"/>
+                        </a:lnSpc>
+                        <a:spcBef>
+                          <a:spcPts val="0"/>
+                        </a:spcBef>
+                        <a:spcAft>
+                          <a:spcPts val="0"/>
+                        </a:spcAft>
+                        <a:buClrTx/>
+                        <a:buSzTx/>
+                        <a:buFontTx/>
+                        <a:buNone/>
+                        <a:tabLst/>
+                        <a:defRPr/>
+                      </a:pPr>
+                      <a:r>
+                        <a:rPr lang="en-US" dirty="0" err="1">
+                          <a:solidFill>
+                            <a:schemeClr val="tx1"/>
+                          </a:solidFill>
+                          <a:latin typeface="Times New Roman" panose="02020603050405020304" pitchFamily="18" charset="0"/>
+                          <a:cs typeface="Times New Roman" panose="02020603050405020304" pitchFamily="18" charset="0"/>
+                        </a:rPr>
+                        <a:t>kNN</a:t>
+                      </a:r>
+                      <a:r>
+                        <a:rPr lang="en-US" dirty="0">
+                          <a:solidFill>
+                            <a:schemeClr val="tx1"/>
+                          </a:solidFill>
+                          <a:latin typeface="Times New Roman" panose="02020603050405020304" pitchFamily="18" charset="0"/>
+                          <a:cs typeface="Times New Roman" panose="02020603050405020304" pitchFamily="18" charset="0"/>
+                        </a:rPr>
+                        <a:t> w/o PCA</a:t>
+                      </a:r>
+                      <a:endParaRPr lang="ru-RU" dirty="0">
+                        <a:solidFill>
+                          <a:schemeClr val="tx1"/>
+                        </a:solidFill>
+                        <a:latin typeface="Times New Roman" panose="02020603050405020304" pitchFamily="18" charset="0"/>
+                        <a:cs typeface="Times New Roman" panose="02020603050405020304" pitchFamily="18" charset="0"/>
+                      </a:endParaRPr>
+                    </a:p>
+                    <a:p>
+                      <a:pPr algn="ctr"/>
+                      <a:endParaRPr lang="ru-RU" dirty="0">
+                        <a:solidFill>
+                          <a:schemeClr val="tx1"/>
+                        </a:solidFill>
+                        <a:latin typeface="Times New Roman" panose="02020603050405020304" pitchFamily="18" charset="0"/>
+                        <a:cs typeface="Times New Roman" panose="02020603050405020304" pitchFamily="18" charset="0"/>
+                      </a:endParaRPr>
+                    </a:p>
+                  </a:txBody>
+                  <a:tcPr>
+                    <a:solidFill>
+                      <a:schemeClr val="bg1">
+                        <a:lumMod val="85000"/>
+                      </a:schemeClr>
+                    </a:solidFill>
+                  </a:tcPr>
+                </a:tc>
+                <a:tc>
+                  <a:txBody>
+                    <a:bodyPr/>
+                    <a:lstStyle/>
+                    <a:p>
+                      <a:pPr algn="ctr"/>
+                      <a:r>
+                        <a:rPr lang="en-US" dirty="0" err="1">
+                          <a:solidFill>
+                            <a:schemeClr val="tx1"/>
+                          </a:solidFill>
+                        </a:rPr>
+                        <a:t>kNN</a:t>
+                      </a:r>
+                      <a:r>
+                        <a:rPr lang="en-US" dirty="0">
+                          <a:solidFill>
+                            <a:schemeClr val="tx1"/>
+                          </a:solidFill>
+                        </a:rPr>
+                        <a:t> PCA</a:t>
+                      </a:r>
+                      <a:endParaRPr lang="ru-RU" dirty="0">
+                        <a:solidFill>
+                          <a:schemeClr val="tx1"/>
+                        </a:solidFill>
+                      </a:endParaRPr>
+                    </a:p>
+                  </a:txBody>
+                  <a:tcPr>
+                    <a:solidFill>
+                      <a:schemeClr val="bg1">
+                        <a:lumMod val="85000"/>
+                      </a:schemeClr>
+                    </a:solidFill>
+                  </a:tcPr>
+                </a:tc>
+                <a:tc>
+                  <a:txBody>
+                    <a:bodyPr/>
+                    <a:lstStyle/>
+                    <a:p>
+                      <a:pPr algn="ctr"/>
+                      <a:r>
+                        <a:rPr lang="en-US" dirty="0" err="1">
+                          <a:solidFill>
+                            <a:schemeClr val="tx1"/>
+                          </a:solidFill>
+                        </a:rPr>
+                        <a:t>DecisionTree</a:t>
+                      </a:r>
+                      <a:r>
+                        <a:rPr lang="en-US" dirty="0">
+                          <a:solidFill>
+                            <a:schemeClr val="tx1"/>
+                          </a:solidFill>
+                        </a:rPr>
+                        <a:t> w/o PCA</a:t>
+                      </a:r>
+                      <a:endParaRPr lang="ru-RU" dirty="0">
+                        <a:solidFill>
+                          <a:schemeClr val="tx1"/>
+                        </a:solidFill>
+                      </a:endParaRPr>
+                    </a:p>
+                  </a:txBody>
+                  <a:tcPr>
+                    <a:solidFill>
+                      <a:schemeClr val="bg1">
+                        <a:lumMod val="85000"/>
+                      </a:schemeClr>
+                    </a:solidFill>
+                  </a:tcPr>
+                </a:tc>
+                <a:tc>
+                  <a:txBody>
+                    <a:bodyPr/>
+                    <a:lstStyle/>
+                    <a:p>
+                      <a:pPr algn="ctr"/>
+                      <a:r>
+                        <a:rPr lang="en-US" dirty="0" err="1">
+                          <a:solidFill>
+                            <a:schemeClr val="tx1"/>
+                          </a:solidFill>
+                        </a:rPr>
+                        <a:t>DecisionTree</a:t>
+                      </a:r>
+                      <a:r>
+                        <a:rPr lang="en-US" dirty="0">
+                          <a:solidFill>
+                            <a:schemeClr val="tx1"/>
+                          </a:solidFill>
+                        </a:rPr>
+                        <a:t> PCA</a:t>
+                      </a:r>
+                      <a:endParaRPr lang="ru-RU" dirty="0">
+                        <a:solidFill>
+                          <a:schemeClr val="tx1"/>
+                        </a:solidFill>
+                      </a:endParaRPr>
+                    </a:p>
+                  </a:txBody>
+                  <a:tcPr>
+                    <a:solidFill>
+                      <a:schemeClr val="bg1">
+                        <a:lumMod val="85000"/>
+                      </a:schemeClr>
+                    </a:solidFill>
+                  </a:tcPr>
+                </a:tc>
+                <a:extLst>
+                  <a:ext uri="{0D108BD9-81ED-4DB2-BD59-A6C34878D82A}">
+                    <a16:rowId xmlns:a16="http://schemas.microsoft.com/office/drawing/2014/main" val="2221700472"/>
+                  </a:ext>
+                </a:extLst>
+              </a:tr>
+              <a:tr h="0">
+                <a:tc>
+                  <a:txBody>
+                    <a:bodyPr/>
+                    <a:lstStyle/>
+                    <a:p>
+                      <a:pPr algn="ctr"/>
+                      <a:r>
+                        <a:rPr lang="en-US" dirty="0"/>
+                        <a:t>Accuracy</a:t>
+                      </a:r>
+                      <a:endParaRPr lang="ru-RU" dirty="0"/>
+                    </a:p>
+                  </a:txBody>
+                  <a:tcPr>
+                    <a:solidFill>
+                      <a:schemeClr val="bg1">
+                        <a:lumMod val="85000"/>
+                      </a:schemeClr>
+                    </a:solidFill>
+                  </a:tcPr>
+                </a:tc>
+                <a:tc>
+                  <a:txBody>
+                    <a:bodyPr/>
+                    <a:lstStyle/>
+                    <a:p>
+                      <a:pPr algn="ctr"/>
+                      <a:r>
+                        <a:rPr lang="ru-RU" dirty="0"/>
+                        <a:t>0.809</a:t>
+                      </a:r>
+                    </a:p>
+                  </a:txBody>
+                  <a:tcPr>
+                    <a:solidFill>
+                      <a:schemeClr val="bg1">
+                        <a:lumMod val="85000"/>
+                      </a:schemeClr>
+                    </a:solidFill>
+                  </a:tcPr>
+                </a:tc>
+                <a:tc>
+                  <a:txBody>
+                    <a:bodyPr/>
+                    <a:lstStyle/>
+                    <a:p>
+                      <a:pPr algn="ctr"/>
+                      <a:r>
+                        <a:rPr lang="ru-RU" dirty="0"/>
+                        <a:t>0.827</a:t>
+                      </a:r>
+                    </a:p>
+                  </a:txBody>
+                  <a:tcPr>
+                    <a:solidFill>
+                      <a:schemeClr val="bg1">
+                        <a:lumMod val="85000"/>
+                      </a:schemeClr>
+                    </a:solidFill>
+                  </a:tcPr>
+                </a:tc>
+                <a:tc>
+                  <a:txBody>
+                    <a:bodyPr/>
+                    <a:lstStyle/>
+                    <a:p>
+                      <a:pPr algn="ctr"/>
+                      <a:r>
+                        <a:rPr lang="ru-RU" dirty="0"/>
+                        <a:t>0.813</a:t>
+                      </a:r>
+                    </a:p>
+                  </a:txBody>
+                  <a:tcPr>
+                    <a:solidFill>
+                      <a:schemeClr val="bg1">
+                        <a:lumMod val="85000"/>
+                      </a:schemeClr>
+                    </a:solidFill>
+                  </a:tcPr>
+                </a:tc>
+                <a:tc>
+                  <a:txBody>
+                    <a:bodyPr/>
+                    <a:lstStyle/>
+                    <a:p>
+                      <a:pPr algn="ctr"/>
+                      <a:r>
+                        <a:rPr lang="ru-RU" dirty="0"/>
+                        <a:t>0.818</a:t>
+                      </a:r>
+                    </a:p>
+                  </a:txBody>
+                  <a:tcPr>
+                    <a:solidFill>
+                      <a:schemeClr val="bg1">
+                        <a:lumMod val="85000"/>
+                      </a:schemeClr>
+                    </a:solidFill>
+                  </a:tcPr>
+                </a:tc>
+                <a:extLst>
+                  <a:ext uri="{0D108BD9-81ED-4DB2-BD59-A6C34878D82A}">
+                    <a16:rowId xmlns:a16="http://schemas.microsoft.com/office/drawing/2014/main" val="2241323815"/>
+                  </a:ext>
+                </a:extLst>
+              </a:tr>
+            </a:tbl>
+          </a:graphicData>
+        </a:graphic>
+      </p:graphicFrame>
+    </p:spTree>
+    <p:extLst>
+      <p:ext uri="{BB962C8B-B14F-4D97-AF65-F5344CB8AC3E}">
+        <p14:creationId xmlns:p14="http://schemas.microsoft.com/office/powerpoint/2010/main" val="187365870"/>
+      </p:ext>
+    </p:extLst>
+  </p:cSld>
+  <p:clrMapOvr>
+    <a:masterClrMapping/>
+  </p:clrMapOvr>
+</p:sld>
+</file>
+
+<file path=ppt/slides/slide9.xml><?xml version="1.0" encoding="utf-8"?>
+<p:sld xmlns:a="http://schemas.openxmlformats.org/drawingml/2006/main" xmlns:r="http://schemas.openxmlformats.org/officeDocument/2006/relationships" xmlns:p="http://schemas.openxmlformats.org/presentationml/2006/main">
+  <p:cSld>
+    <p:spTree>
+      <p:nvGrpSpPr>
+        <p:cNvPr id="1" name=""/>
+        <p:cNvGrpSpPr/>
+        <p:nvPr/>
+      </p:nvGrpSpPr>
+      <p:grpSpPr>
+        <a:xfrm>
+          <a:off x="0" y="0"/>
+          <a:ext cx="0" cy="0"/>
+          <a:chOff x="0" y="0"/>
+          <a:chExt cx="0" cy="0"/>
+        </a:xfrm>
+      </p:grpSpPr>
+      <p:sp>
+        <p:nvSpPr>
+          <p:cNvPr id="2" name="Заголовок 1">
+            <a:extLst>
+              <a:ext uri="{FF2B5EF4-FFF2-40B4-BE49-F238E27FC236}">
+                <a16:creationId xmlns:a16="http://schemas.microsoft.com/office/drawing/2014/main" id="{97E65527-3A82-4002-8970-57A6CB9681D3}"/>
+              </a:ext>
+            </a:extLst>
+          </p:cNvPr>
+          <p:cNvSpPr>
+            <a:spLocks noGrp="1"/>
+          </p:cNvSpPr>
+          <p:nvPr>
+            <p:ph type="title"/>
+          </p:nvPr>
+        </p:nvSpPr>
+        <p:spPr/>
+        <p:txBody>
+          <a:bodyPr/>
+          <a:lstStyle/>
+          <a:p>
+            <a:r>
+              <a:rPr lang="ru-RU" dirty="0">
+                <a:latin typeface="Times New Roman" panose="02020603050405020304" pitchFamily="18" charset="0"/>
+                <a:cs typeface="Times New Roman" panose="02020603050405020304" pitchFamily="18" charset="0"/>
+              </a:rPr>
+              <a:t>Выводы</a:t>
+            </a:r>
+            <a:endParaRPr lang="ru-RU" dirty="0"/>
+          </a:p>
+        </p:txBody>
+      </p:sp>
+      <p:sp>
+        <p:nvSpPr>
+          <p:cNvPr id="3" name="Объект 2">
+            <a:extLst>
+              <a:ext uri="{FF2B5EF4-FFF2-40B4-BE49-F238E27FC236}">
+                <a16:creationId xmlns:a16="http://schemas.microsoft.com/office/drawing/2014/main" id="{F6BFEC24-BF9B-4F7A-BB41-677EF64BE86C}"/>
+              </a:ext>
+            </a:extLst>
+          </p:cNvPr>
+          <p:cNvSpPr>
+            <a:spLocks noGrp="1"/>
+          </p:cNvSpPr>
+          <p:nvPr>
+            <p:ph idx="1"/>
+          </p:nvPr>
+        </p:nvSpPr>
+        <p:spPr/>
+        <p:txBody>
+          <a:bodyPr/>
+          <a:lstStyle/>
+          <a:p>
+            <a:r>
+              <a:rPr lang="ru-RU" dirty="0"/>
+              <a:t>Исследованы модели </a:t>
+            </a:r>
+            <a:r>
+              <a:rPr lang="en-US" dirty="0" err="1"/>
+              <a:t>kNN</a:t>
+            </a:r>
+            <a:r>
+              <a:rPr lang="en-US" dirty="0"/>
+              <a:t> </a:t>
+            </a:r>
+            <a:r>
+              <a:rPr lang="ru-RU" dirty="0"/>
+              <a:t>и </a:t>
+            </a:r>
+            <a:r>
+              <a:rPr lang="en-US" dirty="0" err="1"/>
+              <a:t>DecisionTree</a:t>
+            </a:r>
+            <a:endParaRPr lang="en-US" dirty="0"/>
+          </a:p>
+          <a:p>
+            <a:r>
+              <a:rPr lang="ru-RU" dirty="0"/>
+              <a:t>Решена задача бинарной классификации</a:t>
+            </a:r>
+          </a:p>
+          <a:p>
+            <a:r>
+              <a:rPr lang="ru-RU" dirty="0"/>
+              <a:t>Проведен анализ влияния </a:t>
+            </a:r>
+            <a:r>
+              <a:rPr lang="en-US" dirty="0"/>
+              <a:t>PCA </a:t>
+            </a:r>
+            <a:r>
+              <a:rPr lang="ru-RU" dirty="0"/>
+              <a:t>на работу алгоритмов</a:t>
+            </a:r>
+          </a:p>
+        </p:txBody>
+      </p:sp>
+    </p:spTree>
+    <p:extLst>
+      <p:ext uri="{BB962C8B-B14F-4D97-AF65-F5344CB8AC3E}">
+        <p14:creationId xmlns:p14="http://schemas.microsoft.com/office/powerpoint/2010/main" val="3443007091"/>
       </p:ext>
     </p:extLst>
   </p:cSld>
